--- a/Лекция 3.pptx
+++ b/Лекция 3.pptx
@@ -264,7 +264,7 @@
           <a:p>
             <a:fld id="{44DBC884-B382-4302-8488-D4E467EB670D}" type="datetimeFigureOut">
               <a:rPr lang="ru-RU" smtClean="0"/>
-              <a:t>07.02.2021</a:t>
+              <a:t>16.09.2021</a:t>
             </a:fld>
             <a:endParaRPr lang="ru-RU" dirty="0"/>
           </a:p>
@@ -663,7 +663,7 @@
           <a:p>
             <a:fld id="{9F4DF3D0-C105-404D-A43B-7CBA1B97B744}" type="datetimeFigureOut">
               <a:rPr lang="ru-RU" smtClean="0"/>
-              <a:t>07.02.2021</a:t>
+              <a:t>16.09.2021</a:t>
             </a:fld>
             <a:endParaRPr lang="ru-RU" dirty="0"/>
           </a:p>
@@ -833,7 +833,7 @@
           <a:p>
             <a:fld id="{9F4DF3D0-C105-404D-A43B-7CBA1B97B744}" type="datetimeFigureOut">
               <a:rPr lang="ru-RU" smtClean="0"/>
-              <a:t>07.02.2021</a:t>
+              <a:t>16.09.2021</a:t>
             </a:fld>
             <a:endParaRPr lang="ru-RU" dirty="0"/>
           </a:p>
@@ -1013,7 +1013,7 @@
           <a:p>
             <a:fld id="{9F4DF3D0-C105-404D-A43B-7CBA1B97B744}" type="datetimeFigureOut">
               <a:rPr lang="ru-RU" smtClean="0"/>
-              <a:t>07.02.2021</a:t>
+              <a:t>16.09.2021</a:t>
             </a:fld>
             <a:endParaRPr lang="ru-RU" dirty="0"/>
           </a:p>
@@ -1183,7 +1183,7 @@
           <a:p>
             <a:fld id="{9F4DF3D0-C105-404D-A43B-7CBA1B97B744}" type="datetimeFigureOut">
               <a:rPr lang="ru-RU" smtClean="0"/>
-              <a:t>07.02.2021</a:t>
+              <a:t>16.09.2021</a:t>
             </a:fld>
             <a:endParaRPr lang="ru-RU" dirty="0"/>
           </a:p>
@@ -1429,7 +1429,7 @@
           <a:p>
             <a:fld id="{9F4DF3D0-C105-404D-A43B-7CBA1B97B744}" type="datetimeFigureOut">
               <a:rPr lang="ru-RU" smtClean="0"/>
-              <a:t>07.02.2021</a:t>
+              <a:t>16.09.2021</a:t>
             </a:fld>
             <a:endParaRPr lang="ru-RU" dirty="0"/>
           </a:p>
@@ -1661,7 +1661,7 @@
           <a:p>
             <a:fld id="{9F4DF3D0-C105-404D-A43B-7CBA1B97B744}" type="datetimeFigureOut">
               <a:rPr lang="ru-RU" smtClean="0"/>
-              <a:t>07.02.2021</a:t>
+              <a:t>16.09.2021</a:t>
             </a:fld>
             <a:endParaRPr lang="ru-RU" dirty="0"/>
           </a:p>
@@ -2028,7 +2028,7 @@
           <a:p>
             <a:fld id="{9F4DF3D0-C105-404D-A43B-7CBA1B97B744}" type="datetimeFigureOut">
               <a:rPr lang="ru-RU" smtClean="0"/>
-              <a:t>07.02.2021</a:t>
+              <a:t>16.09.2021</a:t>
             </a:fld>
             <a:endParaRPr lang="ru-RU" dirty="0"/>
           </a:p>
@@ -2146,7 +2146,7 @@
           <a:p>
             <a:fld id="{9F4DF3D0-C105-404D-A43B-7CBA1B97B744}" type="datetimeFigureOut">
               <a:rPr lang="ru-RU" smtClean="0"/>
-              <a:t>07.02.2021</a:t>
+              <a:t>16.09.2021</a:t>
             </a:fld>
             <a:endParaRPr lang="ru-RU" dirty="0"/>
           </a:p>
@@ -2241,7 +2241,7 @@
           <a:p>
             <a:fld id="{9F4DF3D0-C105-404D-A43B-7CBA1B97B744}" type="datetimeFigureOut">
               <a:rPr lang="ru-RU" smtClean="0"/>
-              <a:t>07.02.2021</a:t>
+              <a:t>16.09.2021</a:t>
             </a:fld>
             <a:endParaRPr lang="ru-RU" dirty="0"/>
           </a:p>
@@ -2518,7 +2518,7 @@
           <a:p>
             <a:fld id="{9F4DF3D0-C105-404D-A43B-7CBA1B97B744}" type="datetimeFigureOut">
               <a:rPr lang="ru-RU" smtClean="0"/>
-              <a:t>07.02.2021</a:t>
+              <a:t>16.09.2021</a:t>
             </a:fld>
             <a:endParaRPr lang="ru-RU" dirty="0"/>
           </a:p>
@@ -2771,7 +2771,7 @@
           <a:p>
             <a:fld id="{9F4DF3D0-C105-404D-A43B-7CBA1B97B744}" type="datetimeFigureOut">
               <a:rPr lang="ru-RU" smtClean="0"/>
-              <a:t>07.02.2021</a:t>
+              <a:t>16.09.2021</a:t>
             </a:fld>
             <a:endParaRPr lang="ru-RU" dirty="0"/>
           </a:p>
@@ -2984,7 +2984,7 @@
           <a:p>
             <a:fld id="{9F4DF3D0-C105-404D-A43B-7CBA1B97B744}" type="datetimeFigureOut">
               <a:rPr lang="ru-RU" smtClean="0"/>
-              <a:t>07.02.2021</a:t>
+              <a:t>16.09.2021</a:t>
             </a:fld>
             <a:endParaRPr lang="ru-RU" dirty="0"/>
           </a:p>
@@ -3445,7 +3445,11 @@
           <a:p>
             <a:r>
               <a:rPr lang="ru-RU" sz="4000" dirty="0"/>
-              <a:t>Подготовка данных для машинного обучения.</a:t>
+              <a:t>Подготовка данных для машинного </a:t>
+            </a:r>
+            <a:r>
+              <a:rPr lang="ru-RU" sz="4000" dirty="0" smtClean="0"/>
+              <a:t>обучения</a:t>
             </a:r>
             <a:endParaRPr lang="ru-RU" sz="4000" dirty="0" smtClean="0"/>
           </a:p>
@@ -15163,11 +15167,7 @@
             </a:r>
             <a:r>
               <a:rPr lang="ru-RU" smtClean="0"/>
-              <a:t>, </a:t>
-            </a:r>
-            <a:r>
-              <a:rPr lang="ru-RU" smtClean="0"/>
-              <a:t>звук, </a:t>
+              <a:t>, звук, </a:t>
             </a:r>
             <a:r>
               <a:rPr lang="ru-RU" dirty="0" smtClean="0"/>
@@ -18478,7 +18478,23 @@
             </a:pPr>
             <a:r>
               <a:rPr lang="ru-RU" dirty="0"/>
-              <a:t>распределение значений параметра имеет несколько явно выраженных пиков, что означает, что его корректнее рассматривать как атрибутивный, чем числовой.</a:t>
+              <a:t>распределение значений параметра имеет несколько явно выраженных пиков, что означает, что его корректнее рассматривать как </a:t>
+            </a:r>
+            <a:r>
+              <a:rPr lang="ru-RU" dirty="0" smtClean="0"/>
+              <a:t>категориальный, </a:t>
+            </a:r>
+            <a:r>
+              <a:rPr lang="ru-RU" dirty="0"/>
+              <a:t>чем </a:t>
+            </a:r>
+            <a:r>
+              <a:rPr lang="ru-RU" dirty="0" smtClean="0"/>
+              <a:t>как числовой</a:t>
+            </a:r>
+            <a:r>
+              <a:rPr lang="ru-RU" dirty="0"/>
+              <a:t>.</a:t>
             </a:r>
           </a:p>
           <a:p>
